--- a/new_lec/mini_project/mini_02/disabled/미니프로젝트2.pptx
+++ b/new_lec/mini_project/mini_02/disabled/미니프로젝트2.pptx
@@ -6,7 +6,6 @@
   </p:sldMasterIdLst>
   <p:sldIdLst>
     <p:sldId id="256" r:id="rId2"/>
-    <p:sldId id="257" r:id="rId3"/>
   </p:sldIdLst>
   <p:sldSz cx="9144000" cy="6858000" type="screen4x3"/>
   <p:notesSz cx="6858000" cy="9144000"/>
@@ -289,7 +288,7 @@
           <a:p>
             <a:fld id="{E08FEBE1-0487-4C9F-817E-7940051CFEDB}" type="datetimeFigureOut">
               <a:rPr lang="ko-KR" altLang="en-US" smtClean="0"/>
-              <a:t>2019-09-04</a:t>
+              <a:t>2019-09-06</a:t>
             </a:fld>
             <a:endParaRPr lang="ko-KR" altLang="en-US"/>
           </a:p>
@@ -459,7 +458,7 @@
           <a:p>
             <a:fld id="{E08FEBE1-0487-4C9F-817E-7940051CFEDB}" type="datetimeFigureOut">
               <a:rPr lang="ko-KR" altLang="en-US" smtClean="0"/>
-              <a:t>2019-09-04</a:t>
+              <a:t>2019-09-06</a:t>
             </a:fld>
             <a:endParaRPr lang="ko-KR" altLang="en-US"/>
           </a:p>
@@ -639,7 +638,7 @@
           <a:p>
             <a:fld id="{E08FEBE1-0487-4C9F-817E-7940051CFEDB}" type="datetimeFigureOut">
               <a:rPr lang="ko-KR" altLang="en-US" smtClean="0"/>
-              <a:t>2019-09-04</a:t>
+              <a:t>2019-09-06</a:t>
             </a:fld>
             <a:endParaRPr lang="ko-KR" altLang="en-US"/>
           </a:p>
@@ -809,7 +808,7 @@
           <a:p>
             <a:fld id="{E08FEBE1-0487-4C9F-817E-7940051CFEDB}" type="datetimeFigureOut">
               <a:rPr lang="ko-KR" altLang="en-US" smtClean="0"/>
-              <a:t>2019-09-04</a:t>
+              <a:t>2019-09-06</a:t>
             </a:fld>
             <a:endParaRPr lang="ko-KR" altLang="en-US"/>
           </a:p>
@@ -1055,7 +1054,7 @@
           <a:p>
             <a:fld id="{E08FEBE1-0487-4C9F-817E-7940051CFEDB}" type="datetimeFigureOut">
               <a:rPr lang="ko-KR" altLang="en-US" smtClean="0"/>
-              <a:t>2019-09-04</a:t>
+              <a:t>2019-09-06</a:t>
             </a:fld>
             <a:endParaRPr lang="ko-KR" altLang="en-US"/>
           </a:p>
@@ -1343,7 +1342,7 @@
           <a:p>
             <a:fld id="{E08FEBE1-0487-4C9F-817E-7940051CFEDB}" type="datetimeFigureOut">
               <a:rPr lang="ko-KR" altLang="en-US" smtClean="0"/>
-              <a:t>2019-09-04</a:t>
+              <a:t>2019-09-06</a:t>
             </a:fld>
             <a:endParaRPr lang="ko-KR" altLang="en-US"/>
           </a:p>
@@ -1765,7 +1764,7 @@
           <a:p>
             <a:fld id="{E08FEBE1-0487-4C9F-817E-7940051CFEDB}" type="datetimeFigureOut">
               <a:rPr lang="ko-KR" altLang="en-US" smtClean="0"/>
-              <a:t>2019-09-04</a:t>
+              <a:t>2019-09-06</a:t>
             </a:fld>
             <a:endParaRPr lang="ko-KR" altLang="en-US"/>
           </a:p>
@@ -1883,7 +1882,7 @@
           <a:p>
             <a:fld id="{E08FEBE1-0487-4C9F-817E-7940051CFEDB}" type="datetimeFigureOut">
               <a:rPr lang="ko-KR" altLang="en-US" smtClean="0"/>
-              <a:t>2019-09-04</a:t>
+              <a:t>2019-09-06</a:t>
             </a:fld>
             <a:endParaRPr lang="ko-KR" altLang="en-US"/>
           </a:p>
@@ -1978,7 +1977,7 @@
           <a:p>
             <a:fld id="{E08FEBE1-0487-4C9F-817E-7940051CFEDB}" type="datetimeFigureOut">
               <a:rPr lang="ko-KR" altLang="en-US" smtClean="0"/>
-              <a:t>2019-09-04</a:t>
+              <a:t>2019-09-06</a:t>
             </a:fld>
             <a:endParaRPr lang="ko-KR" altLang="en-US"/>
           </a:p>
@@ -2255,7 +2254,7 @@
           <a:p>
             <a:fld id="{E08FEBE1-0487-4C9F-817E-7940051CFEDB}" type="datetimeFigureOut">
               <a:rPr lang="ko-KR" altLang="en-US" smtClean="0"/>
-              <a:t>2019-09-04</a:t>
+              <a:t>2019-09-06</a:t>
             </a:fld>
             <a:endParaRPr lang="ko-KR" altLang="en-US"/>
           </a:p>
@@ -2508,7 +2507,7 @@
           <a:p>
             <a:fld id="{E08FEBE1-0487-4C9F-817E-7940051CFEDB}" type="datetimeFigureOut">
               <a:rPr lang="ko-KR" altLang="en-US" smtClean="0"/>
-              <a:t>2019-09-04</a:t>
+              <a:t>2019-09-06</a:t>
             </a:fld>
             <a:endParaRPr lang="ko-KR" altLang="en-US"/>
           </a:p>
@@ -2721,7 +2720,7 @@
           <a:p>
             <a:fld id="{E08FEBE1-0487-4C9F-817E-7940051CFEDB}" type="datetimeFigureOut">
               <a:rPr lang="ko-KR" altLang="en-US" smtClean="0"/>
-              <a:t>2019-09-04</a:t>
+              <a:t>2019-09-06</a:t>
             </a:fld>
             <a:endParaRPr lang="ko-KR" altLang="en-US"/>
           </a:p>
@@ -3098,219 +3097,6 @@
       </p:grpSpPr>
       <p:sp>
         <p:nvSpPr>
-          <p:cNvPr id="5" name="TextBox 4"/>
-          <p:cNvSpPr txBox="1"/>
-          <p:nvPr/>
-        </p:nvSpPr>
-        <p:spPr>
-          <a:xfrm>
-            <a:off x="1835696" y="594758"/>
-            <a:ext cx="2371162" cy="5632311"/>
-          </a:xfrm>
-          <a:prstGeom prst="rect">
-            <a:avLst/>
-          </a:prstGeom>
-          <a:solidFill>
-            <a:schemeClr val="bg1">
-              <a:lumMod val="85000"/>
-            </a:schemeClr>
-          </a:solidFill>
-        </p:spPr>
-        <p:txBody>
-          <a:bodyPr wrap="none" rtlCol="0">
-            <a:spAutoFit/>
-          </a:bodyPr>
-          <a:lstStyle/>
-          <a:p>
-            <a:r>
-              <a:rPr lang="ko-KR" altLang="en-US" dirty="0" smtClean="0"/>
-              <a:t>데이터</a:t>
-            </a:r>
-            <a:r>
-              <a:rPr lang="en-US" altLang="ko-KR" dirty="0" smtClean="0"/>
-              <a:t>(</a:t>
-            </a:r>
-            <a:r>
-              <a:rPr lang="ko-KR" altLang="en-US" dirty="0" err="1" smtClean="0"/>
-              <a:t>동별</a:t>
-            </a:r>
-            <a:r>
-              <a:rPr lang="en-US" altLang="ko-KR" dirty="0" smtClean="0"/>
-              <a:t>)</a:t>
-            </a:r>
-          </a:p>
-          <a:p>
-            <a:r>
-              <a:rPr lang="en-US" altLang="ko-KR" dirty="0" smtClean="0"/>
-              <a:t>2018</a:t>
-            </a:r>
-            <a:r>
-              <a:rPr lang="ko-KR" altLang="en-US" dirty="0" smtClean="0"/>
-              <a:t>년 </a:t>
-            </a:r>
-            <a:endParaRPr lang="en-US" altLang="ko-KR" dirty="0" smtClean="0"/>
-          </a:p>
-          <a:p>
-            <a:endParaRPr lang="en-US" altLang="ko-KR" dirty="0"/>
-          </a:p>
-          <a:p>
-            <a:endParaRPr lang="en-US" altLang="ko-KR" dirty="0"/>
-          </a:p>
-          <a:p>
-            <a:r>
-              <a:rPr lang="en-US" altLang="ko-KR" dirty="0" smtClean="0"/>
-              <a:t>1. </a:t>
-            </a:r>
-            <a:r>
-              <a:rPr lang="ko-KR" altLang="en-US" dirty="0" smtClean="0"/>
-              <a:t>장애인 인구</a:t>
-            </a:r>
-            <a:endParaRPr lang="en-US" altLang="ko-KR" dirty="0" smtClean="0"/>
-          </a:p>
-          <a:p>
-            <a:endParaRPr lang="en-US" altLang="ko-KR" dirty="0"/>
-          </a:p>
-          <a:p>
-            <a:r>
-              <a:rPr lang="en-US" altLang="ko-KR" dirty="0" smtClean="0"/>
-              <a:t>2. </a:t>
-            </a:r>
-            <a:r>
-              <a:rPr lang="ko-KR" altLang="en-US" dirty="0" smtClean="0"/>
-              <a:t>콜택시 데이터</a:t>
-            </a:r>
-            <a:endParaRPr lang="en-US" altLang="ko-KR" dirty="0" smtClean="0"/>
-          </a:p>
-          <a:p>
-            <a:r>
-              <a:rPr lang="ko-KR" altLang="en-US" dirty="0" smtClean="0"/>
-              <a:t>경로 </a:t>
-            </a:r>
-            <a:r>
-              <a:rPr lang="en-US" altLang="ko-KR" dirty="0" smtClean="0"/>
-              <a:t>- </a:t>
-            </a:r>
-            <a:r>
-              <a:rPr lang="ko-KR" altLang="en-US" dirty="0" smtClean="0"/>
-              <a:t>유동인구 파악</a:t>
-            </a:r>
-            <a:endParaRPr lang="en-US" altLang="ko-KR" dirty="0" smtClean="0"/>
-          </a:p>
-          <a:p>
-            <a:endParaRPr lang="en-US" altLang="ko-KR" dirty="0"/>
-          </a:p>
-          <a:p>
-            <a:r>
-              <a:rPr lang="en-US" altLang="ko-KR" dirty="0" smtClean="0"/>
-              <a:t>3. </a:t>
-            </a:r>
-            <a:r>
-              <a:rPr lang="ko-KR" altLang="en-US" dirty="0" smtClean="0"/>
-              <a:t>장애인 일상</a:t>
-            </a:r>
-            <a:endParaRPr lang="en-US" altLang="ko-KR" dirty="0" smtClean="0"/>
-          </a:p>
-          <a:p>
-            <a:r>
-              <a:rPr lang="ko-KR" altLang="en-US" dirty="0" err="1" smtClean="0"/>
-              <a:t>뭘하는지</a:t>
-            </a:r>
-            <a:r>
-              <a:rPr lang="en-US" altLang="ko-KR" dirty="0" smtClean="0"/>
-              <a:t>?</a:t>
-            </a:r>
-          </a:p>
-          <a:p>
-            <a:pPr marL="285750" indent="-285750">
-              <a:buFontTx/>
-              <a:buChar char="-"/>
-            </a:pPr>
-            <a:r>
-              <a:rPr lang="ko-KR" altLang="en-US" dirty="0" smtClean="0"/>
-              <a:t>비정형 데이터</a:t>
-            </a:r>
-            <a:endParaRPr lang="en-US" altLang="ko-KR" dirty="0" smtClean="0"/>
-          </a:p>
-          <a:p>
-            <a:pPr marL="285750" indent="-285750">
-              <a:buFontTx/>
-              <a:buChar char="-"/>
-            </a:pPr>
-            <a:endParaRPr lang="en-US" altLang="ko-KR" dirty="0"/>
-          </a:p>
-          <a:p>
-            <a:r>
-              <a:rPr lang="en-US" altLang="ko-KR" dirty="0" smtClean="0"/>
-              <a:t>4. </a:t>
-            </a:r>
-            <a:r>
-              <a:rPr lang="ko-KR" altLang="en-US" dirty="0" err="1" smtClean="0"/>
-              <a:t>쏘카</a:t>
-            </a:r>
-            <a:r>
-              <a:rPr lang="ko-KR" altLang="en-US" dirty="0" smtClean="0"/>
-              <a:t> 지점 위치</a:t>
-            </a:r>
-            <a:endParaRPr lang="en-US" altLang="ko-KR" dirty="0" smtClean="0"/>
-          </a:p>
-          <a:p>
-            <a:endParaRPr lang="en-US" altLang="ko-KR" dirty="0" smtClean="0"/>
-          </a:p>
-          <a:p>
-            <a:r>
-              <a:rPr lang="en-US" altLang="ko-KR" dirty="0"/>
-              <a:t>5</a:t>
-            </a:r>
-            <a:r>
-              <a:rPr lang="en-US" altLang="ko-KR" dirty="0" smtClean="0"/>
-              <a:t>. </a:t>
-            </a:r>
-            <a:r>
-              <a:rPr lang="ko-KR" altLang="en-US" dirty="0" smtClean="0"/>
-              <a:t>이용 목적</a:t>
-            </a:r>
-            <a:endParaRPr lang="en-US" altLang="ko-KR" dirty="0"/>
-          </a:p>
-          <a:p>
-            <a:r>
-              <a:rPr lang="en-US" altLang="ko-KR" dirty="0" smtClean="0"/>
-              <a:t>- </a:t>
-            </a:r>
-            <a:r>
-              <a:rPr lang="ko-KR" altLang="en-US" dirty="0" smtClean="0"/>
-              <a:t>장애인 복지시설</a:t>
-            </a:r>
-            <a:endParaRPr lang="en-US" altLang="ko-KR" dirty="0" smtClean="0"/>
-          </a:p>
-          <a:p>
-            <a:pPr marL="285750" indent="-285750">
-              <a:buFontTx/>
-              <a:buChar char="-"/>
-            </a:pPr>
-            <a:r>
-              <a:rPr lang="ko-KR" altLang="en-US" dirty="0" smtClean="0"/>
-              <a:t>장애인 교통 복지</a:t>
-            </a:r>
-            <a:endParaRPr lang="en-US" altLang="ko-KR" dirty="0" smtClean="0"/>
-          </a:p>
-          <a:p>
-            <a:pPr marL="285750" indent="-285750">
-              <a:buFontTx/>
-              <a:buChar char="-"/>
-            </a:pPr>
-            <a:endParaRPr lang="en-US" altLang="ko-KR" dirty="0"/>
-          </a:p>
-          <a:p>
-            <a:pPr marL="285750" indent="-285750">
-              <a:buFontTx/>
-              <a:buChar char="-"/>
-            </a:pPr>
-            <a:endParaRPr lang="en-US" altLang="ko-KR" dirty="0" smtClean="0"/>
-          </a:p>
-        </p:txBody>
-      </p:sp>
-      <p:sp>
-        <p:nvSpPr>
           <p:cNvPr id="6" name="TextBox 5"/>
           <p:cNvSpPr txBox="1"/>
           <p:nvPr/>
@@ -3401,7 +3187,7 @@
         </p:nvSpPr>
         <p:spPr>
           <a:xfrm>
-            <a:off x="4677354" y="3292825"/>
+            <a:off x="4671222" y="3068960"/>
             <a:ext cx="2413401" cy="1200329"/>
           </a:xfrm>
           <a:prstGeom prst="rect">
@@ -3466,7 +3252,7 @@
         </p:nvSpPr>
         <p:spPr>
           <a:xfrm>
-            <a:off x="4677353" y="4797152"/>
+            <a:off x="4677630" y="4491868"/>
             <a:ext cx="2413401" cy="1477328"/>
           </a:xfrm>
           <a:prstGeom prst="rect">
@@ -3523,46 +3309,16 @@
           </a:p>
         </p:txBody>
       </p:sp>
-    </p:spTree>
-    <p:extLst>
-      <p:ext uri="{BB962C8B-B14F-4D97-AF65-F5344CB8AC3E}">
-        <p14:creationId xmlns:p14="http://schemas.microsoft.com/office/powerpoint/2010/main" val="3728975012"/>
-      </p:ext>
-    </p:extLst>
-  </p:cSld>
-  <p:clrMapOvr>
-    <a:masterClrMapping/>
-  </p:clrMapOvr>
-</p:sld>
-</file>
-
-<file path=ppt/slides/slide2.xml><?xml version="1.0" encoding="utf-8"?>
-<p:sld xmlns:a="http://schemas.openxmlformats.org/drawingml/2006/main" xmlns:r="http://schemas.openxmlformats.org/officeDocument/2006/relationships" xmlns:p="http://schemas.openxmlformats.org/presentationml/2006/main">
-  <p:cSld>
-    <p:spTree>
-      <p:nvGrpSpPr>
-        <p:cNvPr id="1" name=""/>
-        <p:cNvGrpSpPr/>
-        <p:nvPr/>
-      </p:nvGrpSpPr>
-      <p:grpSpPr>
-        <a:xfrm>
-          <a:off x="0" y="0"/>
-          <a:ext cx="0" cy="0"/>
-          <a:chOff x="0" y="0"/>
-          <a:chExt cx="0" cy="0"/>
-        </a:xfrm>
-      </p:grpSpPr>
-      <p:sp>
-        <p:nvSpPr>
-          <p:cNvPr id="5" name="TextBox 4"/>
+      <p:sp>
+        <p:nvSpPr>
+          <p:cNvPr id="7" name="TextBox 6"/>
           <p:cNvSpPr txBox="1"/>
           <p:nvPr/>
         </p:nvSpPr>
         <p:spPr>
           <a:xfrm>
             <a:off x="1835696" y="594758"/>
-            <a:ext cx="2438488" cy="5078313"/>
+            <a:ext cx="2438488" cy="5355312"/>
           </a:xfrm>
           <a:prstGeom prst="rect">
             <a:avLst/>
@@ -3754,14 +3510,25 @@
             <a:endParaRPr lang="en-US" altLang="ko-KR" dirty="0" smtClean="0"/>
           </a:p>
           <a:p>
-            <a:r>
-              <a:rPr lang="en-US" altLang="ko-KR" dirty="0" smtClean="0"/>
-              <a:t>- </a:t>
-            </a:r>
+            <a:pPr marL="285750" indent="-285750">
+              <a:buFontTx/>
+              <a:buChar char="-"/>
+            </a:pPr>
             <a:r>
               <a:rPr lang="ko-KR" altLang="en-US" dirty="0" smtClean="0"/>
-              <a:t>장애인 교통 복지</a:t>
-            </a:r>
+              <a:t>장애인 </a:t>
+            </a:r>
+            <a:r>
+              <a:rPr lang="ko-KR" altLang="en-US" dirty="0" smtClean="0"/>
+              <a:t>교통 </a:t>
+            </a:r>
+            <a:r>
+              <a:rPr lang="ko-KR" altLang="en-US" dirty="0" smtClean="0"/>
+              <a:t>복지</a:t>
+            </a:r>
+            <a:endParaRPr lang="en-US" altLang="ko-KR" dirty="0" smtClean="0"/>
+          </a:p>
+          <a:p>
             <a:endParaRPr lang="en-US" altLang="ko-KR" dirty="0" smtClean="0"/>
           </a:p>
         </p:txBody>
@@ -3769,7 +3536,7 @@
     </p:spTree>
     <p:extLst>
       <p:ext uri="{BB962C8B-B14F-4D97-AF65-F5344CB8AC3E}">
-        <p14:creationId xmlns:p14="http://schemas.microsoft.com/office/powerpoint/2010/main" val="529837935"/>
+        <p14:creationId xmlns:p14="http://schemas.microsoft.com/office/powerpoint/2010/main" val="3728975012"/>
       </p:ext>
     </p:extLst>
   </p:cSld>
